--- a/Phishing website minor project.pptx
+++ b/Phishing website minor project.pptx
@@ -16,7 +16,10 @@
     <p:sldId id="264" r:id="rId10"/>
     <p:sldId id="265" r:id="rId11"/>
     <p:sldId id="266" r:id="rId12"/>
-    <p:sldId id="267" r:id="rId13"/>
+    <p:sldId id="268" r:id="rId13"/>
+    <p:sldId id="269" r:id="rId14"/>
+    <p:sldId id="270" r:id="rId15"/>
+    <p:sldId id="267" r:id="rId16"/>
   </p:sldIdLst>
   <p:sldSz cx="12192000" cy="6858000"/>
   <p:notesSz cx="12192000" cy="6858000"/>
@@ -445,7 +448,7 @@
           <a:p>
             <a:fld id="{1D8BD707-D9CF-40AE-B4C6-C98DA3205C09}" type="datetimeFigureOut">
               <a:rPr lang="en-US"/>
-              <a:t>11/28/2024</a:t>
+              <a:t>12/5/2024</a:t>
             </a:fld>
             <a:endParaRPr lang="en-US"/>
           </a:p>
@@ -622,7 +625,7 @@
           <a:p>
             <a:fld id="{1D8BD707-D9CF-40AE-B4C6-C98DA3205C09}" type="datetimeFigureOut">
               <a:rPr lang="en-US"/>
-              <a:t>11/28/2024</a:t>
+              <a:t>12/5/2024</a:t>
             </a:fld>
             <a:endParaRPr lang="en-US"/>
           </a:p>
@@ -836,7 +839,7 @@
           <a:p>
             <a:fld id="{1D8BD707-D9CF-40AE-B4C6-C98DA3205C09}" type="datetimeFigureOut">
               <a:rPr lang="en-US"/>
-              <a:t>11/28/2024</a:t>
+              <a:t>12/5/2024</a:t>
             </a:fld>
             <a:endParaRPr lang="en-US"/>
           </a:p>
@@ -984,7 +987,7 @@
           <a:p>
             <a:fld id="{1D8BD707-D9CF-40AE-B4C6-C98DA3205C09}" type="datetimeFigureOut">
               <a:rPr lang="en-US"/>
-              <a:t>11/28/2024</a:t>
+              <a:t>12/5/2024</a:t>
             </a:fld>
             <a:endParaRPr lang="en-US"/>
           </a:p>
@@ -1103,7 +1106,7 @@
           <a:p>
             <a:fld id="{1D8BD707-D9CF-40AE-B4C6-C98DA3205C09}" type="datetimeFigureOut">
               <a:rPr lang="en-US"/>
-              <a:t>11/28/2024</a:t>
+              <a:t>12/5/2024</a:t>
             </a:fld>
             <a:endParaRPr lang="en-US"/>
           </a:p>
@@ -1526,7 +1529,7 @@
           <a:p>
             <a:fld id="{1D8BD707-D9CF-40AE-B4C6-C98DA3205C09}" type="datetimeFigureOut">
               <a:rPr lang="en-US"/>
-              <a:t>11/28/2024</a:t>
+              <a:t>12/5/2024</a:t>
             </a:fld>
             <a:endParaRPr lang="en-US"/>
           </a:p>
@@ -2905,6 +2908,15 @@
         <p:blipFill>
           <a:blip r:embed="rId2">
             <a:extLst>
+              <a:ext uri="{BEBA8EAE-BF5A-486C-A8C5-ECC9F3942E4B}">
+                <a14:imgProps xmlns:a14="http://schemas.microsoft.com/office/drawing/2010/main">
+                  <a14:imgLayer r:embed="rId3">
+                    <a14:imgEffect>
+                      <a14:sharpenSoften amount="50000"/>
+                    </a14:imgEffect>
+                  </a14:imgLayer>
+                </a14:imgProps>
+              </a:ext>
               <a:ext uri="{28A0092B-C50C-407E-A947-70E740481C1C}">
                 <a14:useLocalDpi xmlns:a14="http://schemas.microsoft.com/office/drawing/2010/main" val="0"/>
               </a:ext>
@@ -3137,6 +3149,657 @@
 </file>
 
 <file path=ppt/slides/slide12.xml><?xml version="1.0" encoding="utf-8"?>
+<p:sld xmlns:a="http://schemas.openxmlformats.org/drawingml/2006/main" xmlns:r="http://schemas.openxmlformats.org/officeDocument/2006/relationships" xmlns:p="http://schemas.openxmlformats.org/presentationml/2006/main">
+  <p:cSld>
+    <p:spTree>
+      <p:nvGrpSpPr>
+        <p:cNvPr id="1" name=""/>
+        <p:cNvGrpSpPr/>
+        <p:nvPr/>
+      </p:nvGrpSpPr>
+      <p:grpSpPr>
+        <a:xfrm>
+          <a:off x="0" y="0"/>
+          <a:ext cx="0" cy="0"/>
+          <a:chOff x="0" y="0"/>
+          <a:chExt cx="0" cy="0"/>
+        </a:xfrm>
+      </p:grpSpPr>
+      <p:sp>
+        <p:nvSpPr>
+          <p:cNvPr id="6" name="Title 5">
+            <a:extLst>
+              <a:ext uri="{FF2B5EF4-FFF2-40B4-BE49-F238E27FC236}">
+                <a16:creationId xmlns:a16="http://schemas.microsoft.com/office/drawing/2014/main" id="{DC43F6ED-43BC-4EEC-A9ED-81C9027B3E42}"/>
+              </a:ext>
+            </a:extLst>
+          </p:cNvPr>
+          <p:cNvSpPr>
+            <a:spLocks noGrp="1"/>
+          </p:cNvSpPr>
+          <p:nvPr>
+            <p:ph type="title"/>
+          </p:nvPr>
+        </p:nvSpPr>
+        <p:spPr>
+          <a:xfrm>
+            <a:off x="3581400" y="677752"/>
+            <a:ext cx="6189726" cy="615553"/>
+          </a:xfrm>
+        </p:spPr>
+        <p:txBody>
+          <a:bodyPr/>
+          <a:lstStyle/>
+          <a:p>
+            <a:r>
+              <a:rPr lang="en-US" dirty="0"/>
+              <a:t>Application Images</a:t>
+            </a:r>
+            <a:endParaRPr lang="en-IN" dirty="0"/>
+          </a:p>
+        </p:txBody>
+      </p:sp>
+      <p:sp>
+        <p:nvSpPr>
+          <p:cNvPr id="8" name="Text Placeholder 7">
+            <a:extLst>
+              <a:ext uri="{FF2B5EF4-FFF2-40B4-BE49-F238E27FC236}">
+                <a16:creationId xmlns:a16="http://schemas.microsoft.com/office/drawing/2014/main" id="{21491529-D090-4A27-86E8-CE8650935312}"/>
+              </a:ext>
+            </a:extLst>
+          </p:cNvPr>
+          <p:cNvSpPr>
+            <a:spLocks noGrp="1"/>
+          </p:cNvSpPr>
+          <p:nvPr>
+            <p:ph type="body" idx="1"/>
+          </p:nvPr>
+        </p:nvSpPr>
+        <p:spPr>
+          <a:xfrm>
+            <a:off x="3429000" y="5715000"/>
+            <a:ext cx="5498146" cy="469583"/>
+          </a:xfrm>
+        </p:spPr>
+        <p:txBody>
+          <a:bodyPr/>
+          <a:lstStyle/>
+          <a:p>
+            <a:endParaRPr lang="en-US" dirty="0"/>
+          </a:p>
+          <a:p>
+            <a:endParaRPr lang="en-IN" dirty="0"/>
+          </a:p>
+          <a:p>
+            <a:endParaRPr lang="en-IN" dirty="0"/>
+          </a:p>
+          <a:p>
+            <a:endParaRPr lang="en-IN" dirty="0"/>
+          </a:p>
+          <a:p>
+            <a:endParaRPr lang="en-IN" dirty="0"/>
+          </a:p>
+          <a:p>
+            <a:endParaRPr lang="en-IN" dirty="0"/>
+          </a:p>
+          <a:p>
+            <a:endParaRPr lang="en-IN" dirty="0"/>
+          </a:p>
+          <a:p>
+            <a:endParaRPr lang="en-IN" dirty="0"/>
+          </a:p>
+          <a:p>
+            <a:endParaRPr lang="en-IN" dirty="0"/>
+          </a:p>
+          <a:p>
+            <a:endParaRPr lang="en-IN" dirty="0"/>
+          </a:p>
+          <a:p>
+            <a:endParaRPr lang="en-IN" dirty="0"/>
+          </a:p>
+          <a:p>
+            <a:endParaRPr lang="en-IN" dirty="0"/>
+          </a:p>
+        </p:txBody>
+      </p:sp>
+      <p:pic>
+        <p:nvPicPr>
+          <p:cNvPr id="5" name="Picture 4">
+            <a:extLst>
+              <a:ext uri="{FF2B5EF4-FFF2-40B4-BE49-F238E27FC236}">
+                <a16:creationId xmlns:a16="http://schemas.microsoft.com/office/drawing/2014/main" id="{7455834B-6FA9-4CAE-BEC8-BE3937544E5A}"/>
+              </a:ext>
+            </a:extLst>
+          </p:cNvPr>
+          <p:cNvPicPr>
+            <a:picLocks noChangeAspect="1"/>
+          </p:cNvPicPr>
+          <p:nvPr/>
+        </p:nvPicPr>
+        <p:blipFill>
+          <a:blip r:embed="rId2">
+            <a:extLst>
+              <a:ext uri="{BEBA8EAE-BF5A-486C-A8C5-ECC9F3942E4B}">
+                <a14:imgProps xmlns:a14="http://schemas.microsoft.com/office/drawing/2010/main">
+                  <a14:imgLayer r:embed="rId3">
+                    <a14:imgEffect>
+                      <a14:sharpenSoften amount="50000"/>
+                    </a14:imgEffect>
+                    <a14:imgEffect>
+                      <a14:colorTemperature colorTemp="4700"/>
+                    </a14:imgEffect>
+                  </a14:imgLayer>
+                </a14:imgProps>
+              </a:ext>
+              <a:ext uri="{28A0092B-C50C-407E-A947-70E740481C1C}">
+                <a14:useLocalDpi xmlns:a14="http://schemas.microsoft.com/office/drawing/2010/main" val="0"/>
+              </a:ext>
+            </a:extLst>
+          </a:blip>
+          <a:stretch>
+            <a:fillRect/>
+          </a:stretch>
+        </p:blipFill>
+        <p:spPr>
+          <a:xfrm>
+            <a:off x="2220436" y="2438400"/>
+            <a:ext cx="7915273" cy="3606047"/>
+          </a:xfrm>
+          <a:prstGeom prst="rect">
+            <a:avLst/>
+          </a:prstGeom>
+        </p:spPr>
+      </p:pic>
+      <p:sp>
+        <p:nvSpPr>
+          <p:cNvPr id="9" name="TextBox 8">
+            <a:extLst>
+              <a:ext uri="{FF2B5EF4-FFF2-40B4-BE49-F238E27FC236}">
+                <a16:creationId xmlns:a16="http://schemas.microsoft.com/office/drawing/2014/main" id="{9E09654A-B35E-47B2-A18E-F165C073D0FF}"/>
+              </a:ext>
+            </a:extLst>
+          </p:cNvPr>
+          <p:cNvSpPr txBox="1"/>
+          <p:nvPr/>
+        </p:nvSpPr>
+        <p:spPr>
+          <a:xfrm>
+            <a:off x="2220436" y="1828800"/>
+            <a:ext cx="3723164" cy="400110"/>
+          </a:xfrm>
+          <a:prstGeom prst="rect">
+            <a:avLst/>
+          </a:prstGeom>
+          <a:noFill/>
+        </p:spPr>
+        <p:txBody>
+          <a:bodyPr wrap="square" rtlCol="0">
+            <a:spAutoFit/>
+          </a:bodyPr>
+          <a:lstStyle/>
+          <a:p>
+            <a:r>
+              <a:rPr lang="en-US" sz="2000" b="1" dirty="0">
+                <a:solidFill>
+                  <a:schemeClr val="bg1"/>
+                </a:solidFill>
+              </a:rPr>
+              <a:t>Index Screen</a:t>
+            </a:r>
+            <a:endParaRPr lang="en-IN" sz="2000" b="1" dirty="0">
+              <a:solidFill>
+                <a:schemeClr val="bg1"/>
+              </a:solidFill>
+            </a:endParaRPr>
+          </a:p>
+        </p:txBody>
+      </p:sp>
+    </p:spTree>
+    <p:extLst>
+      <p:ext uri="{BB962C8B-B14F-4D97-AF65-F5344CB8AC3E}">
+        <p14:creationId xmlns:p14="http://schemas.microsoft.com/office/powerpoint/2010/main" val="3259492802"/>
+      </p:ext>
+    </p:extLst>
+  </p:cSld>
+  <p:clrMapOvr>
+    <a:masterClrMapping/>
+  </p:clrMapOvr>
+</p:sld>
+</file>
+
+<file path=ppt/slides/slide13.xml><?xml version="1.0" encoding="utf-8"?>
+<p:sld xmlns:a="http://schemas.openxmlformats.org/drawingml/2006/main" xmlns:r="http://schemas.openxmlformats.org/officeDocument/2006/relationships" xmlns:p="http://schemas.openxmlformats.org/presentationml/2006/main">
+  <p:cSld>
+    <p:spTree>
+      <p:nvGrpSpPr>
+        <p:cNvPr id="1" name=""/>
+        <p:cNvGrpSpPr/>
+        <p:nvPr/>
+      </p:nvGrpSpPr>
+      <p:grpSpPr>
+        <a:xfrm>
+          <a:off x="0" y="0"/>
+          <a:ext cx="0" cy="0"/>
+          <a:chOff x="0" y="0"/>
+          <a:chExt cx="0" cy="0"/>
+        </a:xfrm>
+      </p:grpSpPr>
+      <p:sp>
+        <p:nvSpPr>
+          <p:cNvPr id="6" name="Title 5">
+            <a:extLst>
+              <a:ext uri="{FF2B5EF4-FFF2-40B4-BE49-F238E27FC236}">
+                <a16:creationId xmlns:a16="http://schemas.microsoft.com/office/drawing/2014/main" id="{DC43F6ED-43BC-4EEC-A9ED-81C9027B3E42}"/>
+              </a:ext>
+            </a:extLst>
+          </p:cNvPr>
+          <p:cNvSpPr>
+            <a:spLocks noGrp="1"/>
+          </p:cNvSpPr>
+          <p:nvPr>
+            <p:ph type="title"/>
+          </p:nvPr>
+        </p:nvSpPr>
+        <p:spPr>
+          <a:xfrm>
+            <a:off x="3581400" y="677752"/>
+            <a:ext cx="6189726" cy="615553"/>
+          </a:xfrm>
+        </p:spPr>
+        <p:txBody>
+          <a:bodyPr/>
+          <a:lstStyle/>
+          <a:p>
+            <a:r>
+              <a:rPr lang="en-US" dirty="0"/>
+              <a:t>Application Images</a:t>
+            </a:r>
+            <a:endParaRPr lang="en-IN" dirty="0"/>
+          </a:p>
+        </p:txBody>
+      </p:sp>
+      <p:sp>
+        <p:nvSpPr>
+          <p:cNvPr id="8" name="Text Placeholder 7">
+            <a:extLst>
+              <a:ext uri="{FF2B5EF4-FFF2-40B4-BE49-F238E27FC236}">
+                <a16:creationId xmlns:a16="http://schemas.microsoft.com/office/drawing/2014/main" id="{21491529-D090-4A27-86E8-CE8650935312}"/>
+              </a:ext>
+            </a:extLst>
+          </p:cNvPr>
+          <p:cNvSpPr>
+            <a:spLocks noGrp="1"/>
+          </p:cNvSpPr>
+          <p:nvPr>
+            <p:ph type="body" idx="1"/>
+          </p:nvPr>
+        </p:nvSpPr>
+        <p:spPr>
+          <a:xfrm>
+            <a:off x="3429000" y="5715000"/>
+            <a:ext cx="5498146" cy="469583"/>
+          </a:xfrm>
+        </p:spPr>
+        <p:txBody>
+          <a:bodyPr/>
+          <a:lstStyle/>
+          <a:p>
+            <a:endParaRPr lang="en-US" dirty="0"/>
+          </a:p>
+          <a:p>
+            <a:endParaRPr lang="en-IN" dirty="0"/>
+          </a:p>
+          <a:p>
+            <a:endParaRPr lang="en-IN" dirty="0"/>
+          </a:p>
+          <a:p>
+            <a:endParaRPr lang="en-IN" dirty="0"/>
+          </a:p>
+          <a:p>
+            <a:endParaRPr lang="en-IN" dirty="0"/>
+          </a:p>
+          <a:p>
+            <a:endParaRPr lang="en-IN" dirty="0"/>
+          </a:p>
+          <a:p>
+            <a:endParaRPr lang="en-IN" dirty="0"/>
+          </a:p>
+          <a:p>
+            <a:endParaRPr lang="en-IN" dirty="0"/>
+          </a:p>
+          <a:p>
+            <a:endParaRPr lang="en-IN" dirty="0"/>
+          </a:p>
+          <a:p>
+            <a:endParaRPr lang="en-IN" dirty="0"/>
+          </a:p>
+          <a:p>
+            <a:endParaRPr lang="en-IN" dirty="0"/>
+          </a:p>
+          <a:p>
+            <a:endParaRPr lang="en-IN" dirty="0"/>
+          </a:p>
+        </p:txBody>
+      </p:sp>
+      <p:sp>
+        <p:nvSpPr>
+          <p:cNvPr id="9" name="TextBox 8">
+            <a:extLst>
+              <a:ext uri="{FF2B5EF4-FFF2-40B4-BE49-F238E27FC236}">
+                <a16:creationId xmlns:a16="http://schemas.microsoft.com/office/drawing/2014/main" id="{9E09654A-B35E-47B2-A18E-F165C073D0FF}"/>
+              </a:ext>
+            </a:extLst>
+          </p:cNvPr>
+          <p:cNvSpPr txBox="1"/>
+          <p:nvPr/>
+        </p:nvSpPr>
+        <p:spPr>
+          <a:xfrm>
+            <a:off x="2209800" y="1828800"/>
+            <a:ext cx="3723164" cy="400110"/>
+          </a:xfrm>
+          <a:prstGeom prst="rect">
+            <a:avLst/>
+          </a:prstGeom>
+          <a:noFill/>
+        </p:spPr>
+        <p:txBody>
+          <a:bodyPr wrap="square" rtlCol="0">
+            <a:spAutoFit/>
+          </a:bodyPr>
+          <a:lstStyle/>
+          <a:p>
+            <a:r>
+              <a:rPr lang="en-US" sz="2000" b="1" dirty="0">
+                <a:solidFill>
+                  <a:schemeClr val="bg1"/>
+                </a:solidFill>
+              </a:rPr>
+              <a:t>Prediction Screen - 01</a:t>
+            </a:r>
+            <a:endParaRPr lang="en-IN" sz="2000" b="1" dirty="0">
+              <a:solidFill>
+                <a:schemeClr val="bg1"/>
+              </a:solidFill>
+            </a:endParaRPr>
+          </a:p>
+        </p:txBody>
+      </p:sp>
+      <p:pic>
+        <p:nvPicPr>
+          <p:cNvPr id="3" name="Picture 2">
+            <a:extLst>
+              <a:ext uri="{FF2B5EF4-FFF2-40B4-BE49-F238E27FC236}">
+                <a16:creationId xmlns:a16="http://schemas.microsoft.com/office/drawing/2014/main" id="{5065B59B-2952-4194-B456-FB30DAB520DC}"/>
+              </a:ext>
+            </a:extLst>
+          </p:cNvPr>
+          <p:cNvPicPr>
+            <a:picLocks noChangeAspect="1"/>
+          </p:cNvPicPr>
+          <p:nvPr/>
+        </p:nvPicPr>
+        <p:blipFill>
+          <a:blip r:embed="rId2">
+            <a:extLst>
+              <a:ext uri="{BEBA8EAE-BF5A-486C-A8C5-ECC9F3942E4B}">
+                <a14:imgProps xmlns:a14="http://schemas.microsoft.com/office/drawing/2010/main">
+                  <a14:imgLayer r:embed="rId3">
+                    <a14:imgEffect>
+                      <a14:sharpenSoften amount="50000"/>
+                    </a14:imgEffect>
+                  </a14:imgLayer>
+                </a14:imgProps>
+              </a:ext>
+              <a:ext uri="{28A0092B-C50C-407E-A947-70E740481C1C}">
+                <a14:useLocalDpi xmlns:a14="http://schemas.microsoft.com/office/drawing/2010/main" val="0"/>
+              </a:ext>
+            </a:extLst>
+          </a:blip>
+          <a:stretch>
+            <a:fillRect/>
+          </a:stretch>
+        </p:blipFill>
+        <p:spPr>
+          <a:xfrm>
+            <a:off x="2268159" y="2228910"/>
+            <a:ext cx="8118853" cy="3802558"/>
+          </a:xfrm>
+          <a:prstGeom prst="rect">
+            <a:avLst/>
+          </a:prstGeom>
+        </p:spPr>
+      </p:pic>
+    </p:spTree>
+    <p:extLst>
+      <p:ext uri="{BB962C8B-B14F-4D97-AF65-F5344CB8AC3E}">
+        <p14:creationId xmlns:p14="http://schemas.microsoft.com/office/powerpoint/2010/main" val="4280848275"/>
+      </p:ext>
+    </p:extLst>
+  </p:cSld>
+  <p:clrMapOvr>
+    <a:masterClrMapping/>
+  </p:clrMapOvr>
+</p:sld>
+</file>
+
+<file path=ppt/slides/slide14.xml><?xml version="1.0" encoding="utf-8"?>
+<p:sld xmlns:a="http://schemas.openxmlformats.org/drawingml/2006/main" xmlns:r="http://schemas.openxmlformats.org/officeDocument/2006/relationships" xmlns:p="http://schemas.openxmlformats.org/presentationml/2006/main">
+  <p:cSld>
+    <p:spTree>
+      <p:nvGrpSpPr>
+        <p:cNvPr id="1" name=""/>
+        <p:cNvGrpSpPr/>
+        <p:nvPr/>
+      </p:nvGrpSpPr>
+      <p:grpSpPr>
+        <a:xfrm>
+          <a:off x="0" y="0"/>
+          <a:ext cx="0" cy="0"/>
+          <a:chOff x="0" y="0"/>
+          <a:chExt cx="0" cy="0"/>
+        </a:xfrm>
+      </p:grpSpPr>
+      <p:sp>
+        <p:nvSpPr>
+          <p:cNvPr id="6" name="Title 5">
+            <a:extLst>
+              <a:ext uri="{FF2B5EF4-FFF2-40B4-BE49-F238E27FC236}">
+                <a16:creationId xmlns:a16="http://schemas.microsoft.com/office/drawing/2014/main" id="{DC43F6ED-43BC-4EEC-A9ED-81C9027B3E42}"/>
+              </a:ext>
+            </a:extLst>
+          </p:cNvPr>
+          <p:cNvSpPr>
+            <a:spLocks noGrp="1"/>
+          </p:cNvSpPr>
+          <p:nvPr>
+            <p:ph type="title"/>
+          </p:nvPr>
+        </p:nvSpPr>
+        <p:spPr>
+          <a:xfrm>
+            <a:off x="3581400" y="677752"/>
+            <a:ext cx="6189726" cy="615553"/>
+          </a:xfrm>
+        </p:spPr>
+        <p:txBody>
+          <a:bodyPr/>
+          <a:lstStyle/>
+          <a:p>
+            <a:r>
+              <a:rPr lang="en-US" dirty="0"/>
+              <a:t>Application Images</a:t>
+            </a:r>
+            <a:endParaRPr lang="en-IN" dirty="0"/>
+          </a:p>
+        </p:txBody>
+      </p:sp>
+      <p:sp>
+        <p:nvSpPr>
+          <p:cNvPr id="8" name="Text Placeholder 7">
+            <a:extLst>
+              <a:ext uri="{FF2B5EF4-FFF2-40B4-BE49-F238E27FC236}">
+                <a16:creationId xmlns:a16="http://schemas.microsoft.com/office/drawing/2014/main" id="{21491529-D090-4A27-86E8-CE8650935312}"/>
+              </a:ext>
+            </a:extLst>
+          </p:cNvPr>
+          <p:cNvSpPr>
+            <a:spLocks noGrp="1"/>
+          </p:cNvSpPr>
+          <p:nvPr>
+            <p:ph type="body" idx="1"/>
+          </p:nvPr>
+        </p:nvSpPr>
+        <p:spPr>
+          <a:xfrm>
+            <a:off x="3429000" y="5715000"/>
+            <a:ext cx="5498146" cy="469583"/>
+          </a:xfrm>
+        </p:spPr>
+        <p:txBody>
+          <a:bodyPr/>
+          <a:lstStyle/>
+          <a:p>
+            <a:endParaRPr lang="en-US" dirty="0"/>
+          </a:p>
+          <a:p>
+            <a:endParaRPr lang="en-IN" dirty="0"/>
+          </a:p>
+          <a:p>
+            <a:endParaRPr lang="en-IN" dirty="0"/>
+          </a:p>
+          <a:p>
+            <a:endParaRPr lang="en-IN" dirty="0"/>
+          </a:p>
+          <a:p>
+            <a:endParaRPr lang="en-IN" dirty="0"/>
+          </a:p>
+          <a:p>
+            <a:endParaRPr lang="en-IN" dirty="0"/>
+          </a:p>
+          <a:p>
+            <a:endParaRPr lang="en-IN" dirty="0"/>
+          </a:p>
+          <a:p>
+            <a:endParaRPr lang="en-IN" dirty="0"/>
+          </a:p>
+          <a:p>
+            <a:endParaRPr lang="en-IN" dirty="0"/>
+          </a:p>
+          <a:p>
+            <a:endParaRPr lang="en-IN" dirty="0"/>
+          </a:p>
+          <a:p>
+            <a:endParaRPr lang="en-IN" dirty="0"/>
+          </a:p>
+          <a:p>
+            <a:endParaRPr lang="en-IN" dirty="0"/>
+          </a:p>
+        </p:txBody>
+      </p:sp>
+      <p:sp>
+        <p:nvSpPr>
+          <p:cNvPr id="9" name="TextBox 8">
+            <a:extLst>
+              <a:ext uri="{FF2B5EF4-FFF2-40B4-BE49-F238E27FC236}">
+                <a16:creationId xmlns:a16="http://schemas.microsoft.com/office/drawing/2014/main" id="{9E09654A-B35E-47B2-A18E-F165C073D0FF}"/>
+              </a:ext>
+            </a:extLst>
+          </p:cNvPr>
+          <p:cNvSpPr txBox="1"/>
+          <p:nvPr/>
+        </p:nvSpPr>
+        <p:spPr>
+          <a:xfrm>
+            <a:off x="2209800" y="1828800"/>
+            <a:ext cx="3723164" cy="400110"/>
+          </a:xfrm>
+          <a:prstGeom prst="rect">
+            <a:avLst/>
+          </a:prstGeom>
+          <a:noFill/>
+        </p:spPr>
+        <p:txBody>
+          <a:bodyPr wrap="square" rtlCol="0">
+            <a:spAutoFit/>
+          </a:bodyPr>
+          <a:lstStyle/>
+          <a:p>
+            <a:r>
+              <a:rPr lang="en-US" sz="2000" b="1" dirty="0">
+                <a:solidFill>
+                  <a:schemeClr val="bg1"/>
+                </a:solidFill>
+              </a:rPr>
+              <a:t>Prediction Screen - 02</a:t>
+            </a:r>
+            <a:endParaRPr lang="en-IN" sz="2000" b="1" dirty="0">
+              <a:solidFill>
+                <a:schemeClr val="bg1"/>
+              </a:solidFill>
+            </a:endParaRPr>
+          </a:p>
+        </p:txBody>
+      </p:sp>
+      <p:pic>
+        <p:nvPicPr>
+          <p:cNvPr id="13" name="Picture 12">
+            <a:extLst>
+              <a:ext uri="{FF2B5EF4-FFF2-40B4-BE49-F238E27FC236}">
+                <a16:creationId xmlns:a16="http://schemas.microsoft.com/office/drawing/2014/main" id="{A347C7A9-A926-4DB4-B294-9C9965441341}"/>
+              </a:ext>
+            </a:extLst>
+          </p:cNvPr>
+          <p:cNvPicPr>
+            <a:picLocks noChangeAspect="1"/>
+          </p:cNvPicPr>
+          <p:nvPr/>
+        </p:nvPicPr>
+        <p:blipFill>
+          <a:blip r:embed="rId2">
+            <a:extLst>
+              <a:ext uri="{BEBA8EAE-BF5A-486C-A8C5-ECC9F3942E4B}">
+                <a14:imgProps xmlns:a14="http://schemas.microsoft.com/office/drawing/2010/main">
+                  <a14:imgLayer r:embed="rId3">
+                    <a14:imgEffect>
+                      <a14:sharpenSoften amount="50000"/>
+                    </a14:imgEffect>
+                  </a14:imgLayer>
+                </a14:imgProps>
+              </a:ext>
+              <a:ext uri="{28A0092B-C50C-407E-A947-70E740481C1C}">
+                <a14:useLocalDpi xmlns:a14="http://schemas.microsoft.com/office/drawing/2010/main" val="0"/>
+              </a:ext>
+            </a:extLst>
+          </a:blip>
+          <a:stretch>
+            <a:fillRect/>
+          </a:stretch>
+        </p:blipFill>
+        <p:spPr>
+          <a:xfrm>
+            <a:off x="2238375" y="2362200"/>
+            <a:ext cx="7820025" cy="3962400"/>
+          </a:xfrm>
+          <a:prstGeom prst="rect">
+            <a:avLst/>
+          </a:prstGeom>
+        </p:spPr>
+      </p:pic>
+    </p:spTree>
+    <p:extLst>
+      <p:ext uri="{BB962C8B-B14F-4D97-AF65-F5344CB8AC3E}">
+        <p14:creationId xmlns:p14="http://schemas.microsoft.com/office/powerpoint/2010/main" val="3424139045"/>
+      </p:ext>
+    </p:extLst>
+  </p:cSld>
+  <p:clrMapOvr>
+    <a:masterClrMapping/>
+  </p:clrMapOvr>
+</p:sld>
+</file>
+
+<file path=ppt/slides/slide15.xml><?xml version="1.0" encoding="utf-8"?>
 <p:sld xmlns:a="http://schemas.openxmlformats.org/drawingml/2006/main" xmlns:r="http://schemas.openxmlformats.org/officeDocument/2006/relationships" xmlns:p="http://schemas.openxmlformats.org/presentationml/2006/main">
   <p:cSld>
     <p:spTree>
